--- a/ppt 16-9/1403.爱的真谛.pptx
+++ b/ppt 16-9/1403.爱的真谛.pptx
@@ -5,7 +5,7 @@
     <p:sldMasterId id="2147483648" r:id="rId1"/>
   </p:sldMasterIdLst>
   <p:sldIdLst>
-    <p:sldId id="974" r:id="rId2"/>
+    <p:sldId id="975" r:id="rId2"/>
   </p:sldIdLst>
   <p:sldSz cx="12192000" cy="6858000"/>
   <p:notesSz cx="6858000" cy="9144000"/>
@@ -129,7 +129,7 @@
           <p:cNvPr id="2" name="标题 1">
             <a:extLst>
               <a:ext uri="{FF2B5EF4-FFF2-40B4-BE49-F238E27FC236}">
-                <a16:creationId xmlns:a16="http://schemas.microsoft.com/office/drawing/2014/main" id="{B8A9084F-A43F-B382-2592-DD687DC79347}"/>
+                <a16:creationId xmlns:a16="http://schemas.microsoft.com/office/drawing/2014/main" id="{33F4B812-6F68-CF60-7B2D-9202FA5A1715}"/>
               </a:ext>
             </a:extLst>
           </p:cNvPr>
@@ -166,7 +166,7 @@
           <p:cNvPr id="3" name="副标题 2">
             <a:extLst>
               <a:ext uri="{FF2B5EF4-FFF2-40B4-BE49-F238E27FC236}">
-                <a16:creationId xmlns:a16="http://schemas.microsoft.com/office/drawing/2014/main" id="{ACA5A60B-AEDF-AB63-7DE0-8C9A14A02F55}"/>
+                <a16:creationId xmlns:a16="http://schemas.microsoft.com/office/drawing/2014/main" id="{7A148F36-2DEC-3293-D29B-46A86DE63994}"/>
               </a:ext>
             </a:extLst>
           </p:cNvPr>
@@ -236,7 +236,7 @@
           <p:cNvPr id="4" name="日期占位符 3">
             <a:extLst>
               <a:ext uri="{FF2B5EF4-FFF2-40B4-BE49-F238E27FC236}">
-                <a16:creationId xmlns:a16="http://schemas.microsoft.com/office/drawing/2014/main" id="{932765A2-1D4F-0155-86DE-85DA313F98A4}"/>
+                <a16:creationId xmlns:a16="http://schemas.microsoft.com/office/drawing/2014/main" id="{8FE8C2B2-202C-7EB6-03C7-91DCC2F209E8}"/>
               </a:ext>
             </a:extLst>
           </p:cNvPr>
@@ -252,7 +252,7 @@
           <a:bodyPr/>
           <a:lstStyle/>
           <a:p>
-            <a:fld id="{16B57F22-515B-4C3C-92EC-C5F8EDCB17C1}" type="datetimeFigureOut">
+            <a:fld id="{E3C749BC-6742-4803-8651-C182B202970D}" type="datetimeFigureOut">
               <a:rPr lang="zh-CN" altLang="en-US" smtClean="0"/>
               <a:t>2024/3/10</a:t>
             </a:fld>
@@ -265,7 +265,7 @@
           <p:cNvPr id="5" name="页脚占位符 4">
             <a:extLst>
               <a:ext uri="{FF2B5EF4-FFF2-40B4-BE49-F238E27FC236}">
-                <a16:creationId xmlns:a16="http://schemas.microsoft.com/office/drawing/2014/main" id="{5F06F26E-FC0E-6C22-C119-D6BE9D1A3E80}"/>
+                <a16:creationId xmlns:a16="http://schemas.microsoft.com/office/drawing/2014/main" id="{68B3E817-9E8B-F262-DB2C-D383E4BF91AE}"/>
               </a:ext>
             </a:extLst>
           </p:cNvPr>
@@ -290,7 +290,7 @@
           <p:cNvPr id="6" name="灯片编号占位符 5">
             <a:extLst>
               <a:ext uri="{FF2B5EF4-FFF2-40B4-BE49-F238E27FC236}">
-                <a16:creationId xmlns:a16="http://schemas.microsoft.com/office/drawing/2014/main" id="{08F0297F-6826-431E-994E-B5C0BEE2344E}"/>
+                <a16:creationId xmlns:a16="http://schemas.microsoft.com/office/drawing/2014/main" id="{C5CC1361-1940-D785-21C5-2DBDA8805133}"/>
               </a:ext>
             </a:extLst>
           </p:cNvPr>
@@ -306,7 +306,7 @@
           <a:bodyPr/>
           <a:lstStyle/>
           <a:p>
-            <a:fld id="{76F4A092-A9B5-46B1-81A5-AC47FFC074F7}" type="slidenum">
+            <a:fld id="{1A643E10-219D-4A7E-9A32-5E7FFE880E98}" type="slidenum">
               <a:rPr lang="zh-CN" altLang="en-US" smtClean="0"/>
               <a:t>‹#›</a:t>
             </a:fld>
@@ -317,7 +317,7 @@
     </p:spTree>
     <p:extLst>
       <p:ext uri="{BB962C8B-B14F-4D97-AF65-F5344CB8AC3E}">
-        <p14:creationId xmlns:p14="http://schemas.microsoft.com/office/powerpoint/2010/main" val="2990985866"/>
+        <p14:creationId xmlns:p14="http://schemas.microsoft.com/office/powerpoint/2010/main" val="3712653511"/>
       </p:ext>
     </p:extLst>
   </p:cSld>
@@ -349,7 +349,7 @@
           <p:cNvPr id="2" name="标题 1">
             <a:extLst>
               <a:ext uri="{FF2B5EF4-FFF2-40B4-BE49-F238E27FC236}">
-                <a16:creationId xmlns:a16="http://schemas.microsoft.com/office/drawing/2014/main" id="{6DF57BA5-C312-A458-E598-CBF398A9AD46}"/>
+                <a16:creationId xmlns:a16="http://schemas.microsoft.com/office/drawing/2014/main" id="{1C1E5C0C-E315-8195-7C5E-F0D986D4A6A6}"/>
               </a:ext>
             </a:extLst>
           </p:cNvPr>
@@ -377,7 +377,7 @@
           <p:cNvPr id="3" name="竖排文字占位符 2">
             <a:extLst>
               <a:ext uri="{FF2B5EF4-FFF2-40B4-BE49-F238E27FC236}">
-                <a16:creationId xmlns:a16="http://schemas.microsoft.com/office/drawing/2014/main" id="{91EE5006-96F5-963B-F8DB-7049ACE20D56}"/>
+                <a16:creationId xmlns:a16="http://schemas.microsoft.com/office/drawing/2014/main" id="{E8E037E3-F6C6-BC15-10EF-F389D77B746D}"/>
               </a:ext>
             </a:extLst>
           </p:cNvPr>
@@ -434,7 +434,7 @@
           <p:cNvPr id="4" name="日期占位符 3">
             <a:extLst>
               <a:ext uri="{FF2B5EF4-FFF2-40B4-BE49-F238E27FC236}">
-                <a16:creationId xmlns:a16="http://schemas.microsoft.com/office/drawing/2014/main" id="{4717715D-C0F5-EF71-A89B-5763BD9D0FAB}"/>
+                <a16:creationId xmlns:a16="http://schemas.microsoft.com/office/drawing/2014/main" id="{CCBACD68-B4A9-297A-8711-8F563613D830}"/>
               </a:ext>
             </a:extLst>
           </p:cNvPr>
@@ -450,7 +450,7 @@
           <a:bodyPr/>
           <a:lstStyle/>
           <a:p>
-            <a:fld id="{16B57F22-515B-4C3C-92EC-C5F8EDCB17C1}" type="datetimeFigureOut">
+            <a:fld id="{E3C749BC-6742-4803-8651-C182B202970D}" type="datetimeFigureOut">
               <a:rPr lang="zh-CN" altLang="en-US" smtClean="0"/>
               <a:t>2024/3/10</a:t>
             </a:fld>
@@ -463,7 +463,7 @@
           <p:cNvPr id="5" name="页脚占位符 4">
             <a:extLst>
               <a:ext uri="{FF2B5EF4-FFF2-40B4-BE49-F238E27FC236}">
-                <a16:creationId xmlns:a16="http://schemas.microsoft.com/office/drawing/2014/main" id="{FAD99E88-3ECF-56E9-7395-057A420BE32C}"/>
+                <a16:creationId xmlns:a16="http://schemas.microsoft.com/office/drawing/2014/main" id="{7C19B594-46C2-C034-6F79-4CE2F0F5E8FA}"/>
               </a:ext>
             </a:extLst>
           </p:cNvPr>
@@ -488,7 +488,7 @@
           <p:cNvPr id="6" name="灯片编号占位符 5">
             <a:extLst>
               <a:ext uri="{FF2B5EF4-FFF2-40B4-BE49-F238E27FC236}">
-                <a16:creationId xmlns:a16="http://schemas.microsoft.com/office/drawing/2014/main" id="{EEC8ADCA-0FD5-0D4E-257A-786FAF854AF6}"/>
+                <a16:creationId xmlns:a16="http://schemas.microsoft.com/office/drawing/2014/main" id="{BAA64CFA-F854-1753-C147-92A5CFDD7AC7}"/>
               </a:ext>
             </a:extLst>
           </p:cNvPr>
@@ -504,7 +504,7 @@
           <a:bodyPr/>
           <a:lstStyle/>
           <a:p>
-            <a:fld id="{76F4A092-A9B5-46B1-81A5-AC47FFC074F7}" type="slidenum">
+            <a:fld id="{1A643E10-219D-4A7E-9A32-5E7FFE880E98}" type="slidenum">
               <a:rPr lang="zh-CN" altLang="en-US" smtClean="0"/>
               <a:t>‹#›</a:t>
             </a:fld>
@@ -515,7 +515,7 @@
     </p:spTree>
     <p:extLst>
       <p:ext uri="{BB962C8B-B14F-4D97-AF65-F5344CB8AC3E}">
-        <p14:creationId xmlns:p14="http://schemas.microsoft.com/office/powerpoint/2010/main" val="266532471"/>
+        <p14:creationId xmlns:p14="http://schemas.microsoft.com/office/powerpoint/2010/main" val="3666406278"/>
       </p:ext>
     </p:extLst>
   </p:cSld>
@@ -547,7 +547,7 @@
           <p:cNvPr id="2" name="竖排标题 1">
             <a:extLst>
               <a:ext uri="{FF2B5EF4-FFF2-40B4-BE49-F238E27FC236}">
-                <a16:creationId xmlns:a16="http://schemas.microsoft.com/office/drawing/2014/main" id="{79496D34-7DDE-B8B2-0E45-1F77ED434F3D}"/>
+                <a16:creationId xmlns:a16="http://schemas.microsoft.com/office/drawing/2014/main" id="{307C1AA0-5E2C-48E4-2813-24200DC03C0F}"/>
               </a:ext>
             </a:extLst>
           </p:cNvPr>
@@ -580,7 +580,7 @@
           <p:cNvPr id="3" name="竖排文字占位符 2">
             <a:extLst>
               <a:ext uri="{FF2B5EF4-FFF2-40B4-BE49-F238E27FC236}">
-                <a16:creationId xmlns:a16="http://schemas.microsoft.com/office/drawing/2014/main" id="{D24C08F4-2FAA-3D21-BBFD-320E09EB8F1F}"/>
+                <a16:creationId xmlns:a16="http://schemas.microsoft.com/office/drawing/2014/main" id="{3174173F-2269-E68B-23E7-8D815D1F23EE}"/>
               </a:ext>
             </a:extLst>
           </p:cNvPr>
@@ -642,7 +642,7 @@
           <p:cNvPr id="4" name="日期占位符 3">
             <a:extLst>
               <a:ext uri="{FF2B5EF4-FFF2-40B4-BE49-F238E27FC236}">
-                <a16:creationId xmlns:a16="http://schemas.microsoft.com/office/drawing/2014/main" id="{9F3C71B3-6755-D960-0A75-30740FD6FB94}"/>
+                <a16:creationId xmlns:a16="http://schemas.microsoft.com/office/drawing/2014/main" id="{E124EB29-C725-78B1-19AA-DFDD835BA1DB}"/>
               </a:ext>
             </a:extLst>
           </p:cNvPr>
@@ -658,7 +658,7 @@
           <a:bodyPr/>
           <a:lstStyle/>
           <a:p>
-            <a:fld id="{16B57F22-515B-4C3C-92EC-C5F8EDCB17C1}" type="datetimeFigureOut">
+            <a:fld id="{E3C749BC-6742-4803-8651-C182B202970D}" type="datetimeFigureOut">
               <a:rPr lang="zh-CN" altLang="en-US" smtClean="0"/>
               <a:t>2024/3/10</a:t>
             </a:fld>
@@ -671,7 +671,7 @@
           <p:cNvPr id="5" name="页脚占位符 4">
             <a:extLst>
               <a:ext uri="{FF2B5EF4-FFF2-40B4-BE49-F238E27FC236}">
-                <a16:creationId xmlns:a16="http://schemas.microsoft.com/office/drawing/2014/main" id="{45B6A38B-AD20-B8F3-27FA-26033C809F17}"/>
+                <a16:creationId xmlns:a16="http://schemas.microsoft.com/office/drawing/2014/main" id="{EAC4F7BD-8046-24AD-B7CC-E3F2D8F977F9}"/>
               </a:ext>
             </a:extLst>
           </p:cNvPr>
@@ -696,7 +696,7 @@
           <p:cNvPr id="6" name="灯片编号占位符 5">
             <a:extLst>
               <a:ext uri="{FF2B5EF4-FFF2-40B4-BE49-F238E27FC236}">
-                <a16:creationId xmlns:a16="http://schemas.microsoft.com/office/drawing/2014/main" id="{E50CC4A9-B2C7-4848-CB66-128806E55B31}"/>
+                <a16:creationId xmlns:a16="http://schemas.microsoft.com/office/drawing/2014/main" id="{F65AF1B5-E30E-5EE2-27C0-54DA85091AFE}"/>
               </a:ext>
             </a:extLst>
           </p:cNvPr>
@@ -712,7 +712,7 @@
           <a:bodyPr/>
           <a:lstStyle/>
           <a:p>
-            <a:fld id="{76F4A092-A9B5-46B1-81A5-AC47FFC074F7}" type="slidenum">
+            <a:fld id="{1A643E10-219D-4A7E-9A32-5E7FFE880E98}" type="slidenum">
               <a:rPr lang="zh-CN" altLang="en-US" smtClean="0"/>
               <a:t>‹#›</a:t>
             </a:fld>
@@ -723,7 +723,7 @@
     </p:spTree>
     <p:extLst>
       <p:ext uri="{BB962C8B-B14F-4D97-AF65-F5344CB8AC3E}">
-        <p14:creationId xmlns:p14="http://schemas.microsoft.com/office/powerpoint/2010/main" val="2861704184"/>
+        <p14:creationId xmlns:p14="http://schemas.microsoft.com/office/powerpoint/2010/main" val="18995094"/>
       </p:ext>
     </p:extLst>
   </p:cSld>
@@ -755,7 +755,7 @@
           <p:cNvPr id="2" name="标题 1">
             <a:extLst>
               <a:ext uri="{FF2B5EF4-FFF2-40B4-BE49-F238E27FC236}">
-                <a16:creationId xmlns:a16="http://schemas.microsoft.com/office/drawing/2014/main" id="{DDBA68B0-5EC1-3964-F1F5-1B832209D902}"/>
+                <a16:creationId xmlns:a16="http://schemas.microsoft.com/office/drawing/2014/main" id="{1EF1C5F7-A854-DAFF-23FA-7513CDFBD64A}"/>
               </a:ext>
             </a:extLst>
           </p:cNvPr>
@@ -783,7 +783,7 @@
           <p:cNvPr id="3" name="内容占位符 2">
             <a:extLst>
               <a:ext uri="{FF2B5EF4-FFF2-40B4-BE49-F238E27FC236}">
-                <a16:creationId xmlns:a16="http://schemas.microsoft.com/office/drawing/2014/main" id="{DC886518-8620-77FA-A29E-DB2B2B00536A}"/>
+                <a16:creationId xmlns:a16="http://schemas.microsoft.com/office/drawing/2014/main" id="{5245DD24-F1D9-F4CB-553F-23D007D7AC51}"/>
               </a:ext>
             </a:extLst>
           </p:cNvPr>
@@ -840,7 +840,7 @@
           <p:cNvPr id="4" name="日期占位符 3">
             <a:extLst>
               <a:ext uri="{FF2B5EF4-FFF2-40B4-BE49-F238E27FC236}">
-                <a16:creationId xmlns:a16="http://schemas.microsoft.com/office/drawing/2014/main" id="{E4FA84E8-260D-4591-4BAF-700B98DACADD}"/>
+                <a16:creationId xmlns:a16="http://schemas.microsoft.com/office/drawing/2014/main" id="{10AE54B6-0F8E-0CBB-96D8-DC0A5E088015}"/>
               </a:ext>
             </a:extLst>
           </p:cNvPr>
@@ -856,7 +856,7 @@
           <a:bodyPr/>
           <a:lstStyle/>
           <a:p>
-            <a:fld id="{16B57F22-515B-4C3C-92EC-C5F8EDCB17C1}" type="datetimeFigureOut">
+            <a:fld id="{E3C749BC-6742-4803-8651-C182B202970D}" type="datetimeFigureOut">
               <a:rPr lang="zh-CN" altLang="en-US" smtClean="0"/>
               <a:t>2024/3/10</a:t>
             </a:fld>
@@ -869,7 +869,7 @@
           <p:cNvPr id="5" name="页脚占位符 4">
             <a:extLst>
               <a:ext uri="{FF2B5EF4-FFF2-40B4-BE49-F238E27FC236}">
-                <a16:creationId xmlns:a16="http://schemas.microsoft.com/office/drawing/2014/main" id="{7EE3EF55-EC83-FCA5-142F-AA378EEB5ED4}"/>
+                <a16:creationId xmlns:a16="http://schemas.microsoft.com/office/drawing/2014/main" id="{D543EF60-EB1F-0218-655A-7775353AEA25}"/>
               </a:ext>
             </a:extLst>
           </p:cNvPr>
@@ -894,7 +894,7 @@
           <p:cNvPr id="6" name="灯片编号占位符 5">
             <a:extLst>
               <a:ext uri="{FF2B5EF4-FFF2-40B4-BE49-F238E27FC236}">
-                <a16:creationId xmlns:a16="http://schemas.microsoft.com/office/drawing/2014/main" id="{24E026A6-7607-CB69-8FAB-4B43CCA38A9B}"/>
+                <a16:creationId xmlns:a16="http://schemas.microsoft.com/office/drawing/2014/main" id="{ACB175F0-FC9A-D206-6709-D22371369E12}"/>
               </a:ext>
             </a:extLst>
           </p:cNvPr>
@@ -910,7 +910,7 @@
           <a:bodyPr/>
           <a:lstStyle/>
           <a:p>
-            <a:fld id="{76F4A092-A9B5-46B1-81A5-AC47FFC074F7}" type="slidenum">
+            <a:fld id="{1A643E10-219D-4A7E-9A32-5E7FFE880E98}" type="slidenum">
               <a:rPr lang="zh-CN" altLang="en-US" smtClean="0"/>
               <a:t>‹#›</a:t>
             </a:fld>
@@ -921,7 +921,7 @@
     </p:spTree>
     <p:extLst>
       <p:ext uri="{BB962C8B-B14F-4D97-AF65-F5344CB8AC3E}">
-        <p14:creationId xmlns:p14="http://schemas.microsoft.com/office/powerpoint/2010/main" val="3275063618"/>
+        <p14:creationId xmlns:p14="http://schemas.microsoft.com/office/powerpoint/2010/main" val="3762412914"/>
       </p:ext>
     </p:extLst>
   </p:cSld>
@@ -953,7 +953,7 @@
           <p:cNvPr id="2" name="标题 1">
             <a:extLst>
               <a:ext uri="{FF2B5EF4-FFF2-40B4-BE49-F238E27FC236}">
-                <a16:creationId xmlns:a16="http://schemas.microsoft.com/office/drawing/2014/main" id="{8680921A-C02B-09DB-D401-938635C20B60}"/>
+                <a16:creationId xmlns:a16="http://schemas.microsoft.com/office/drawing/2014/main" id="{3E0C9D65-7616-F5BE-FBB7-C78DF2FCE0C6}"/>
               </a:ext>
             </a:extLst>
           </p:cNvPr>
@@ -990,7 +990,7 @@
           <p:cNvPr id="3" name="文本占位符 2">
             <a:extLst>
               <a:ext uri="{FF2B5EF4-FFF2-40B4-BE49-F238E27FC236}">
-                <a16:creationId xmlns:a16="http://schemas.microsoft.com/office/drawing/2014/main" id="{27B0C4E8-C4B2-3330-A5AC-88EE31C4AE84}"/>
+                <a16:creationId xmlns:a16="http://schemas.microsoft.com/office/drawing/2014/main" id="{340A1A12-A66B-E43D-D2CF-51864819D2FF}"/>
               </a:ext>
             </a:extLst>
           </p:cNvPr>
@@ -1115,7 +1115,7 @@
           <p:cNvPr id="4" name="日期占位符 3">
             <a:extLst>
               <a:ext uri="{FF2B5EF4-FFF2-40B4-BE49-F238E27FC236}">
-                <a16:creationId xmlns:a16="http://schemas.microsoft.com/office/drawing/2014/main" id="{AFFF20A6-38D2-91F6-3660-9789AF82E0C2}"/>
+                <a16:creationId xmlns:a16="http://schemas.microsoft.com/office/drawing/2014/main" id="{96C63EAA-0B28-7F6C-01B3-CCDCA5D10CFB}"/>
               </a:ext>
             </a:extLst>
           </p:cNvPr>
@@ -1131,7 +1131,7 @@
           <a:bodyPr/>
           <a:lstStyle/>
           <a:p>
-            <a:fld id="{16B57F22-515B-4C3C-92EC-C5F8EDCB17C1}" type="datetimeFigureOut">
+            <a:fld id="{E3C749BC-6742-4803-8651-C182B202970D}" type="datetimeFigureOut">
               <a:rPr lang="zh-CN" altLang="en-US" smtClean="0"/>
               <a:t>2024/3/10</a:t>
             </a:fld>
@@ -1144,7 +1144,7 @@
           <p:cNvPr id="5" name="页脚占位符 4">
             <a:extLst>
               <a:ext uri="{FF2B5EF4-FFF2-40B4-BE49-F238E27FC236}">
-                <a16:creationId xmlns:a16="http://schemas.microsoft.com/office/drawing/2014/main" id="{97472AA3-EF84-EBED-38D3-F5D0F325CF5C}"/>
+                <a16:creationId xmlns:a16="http://schemas.microsoft.com/office/drawing/2014/main" id="{CE9E1A11-F86E-B581-85B7-A2886B9655E4}"/>
               </a:ext>
             </a:extLst>
           </p:cNvPr>
@@ -1169,7 +1169,7 @@
           <p:cNvPr id="6" name="灯片编号占位符 5">
             <a:extLst>
               <a:ext uri="{FF2B5EF4-FFF2-40B4-BE49-F238E27FC236}">
-                <a16:creationId xmlns:a16="http://schemas.microsoft.com/office/drawing/2014/main" id="{5384C575-74CA-26AB-D21C-89595379E37C}"/>
+                <a16:creationId xmlns:a16="http://schemas.microsoft.com/office/drawing/2014/main" id="{6F1408F1-A06D-5E7E-F5AA-B0AC4A1122E1}"/>
               </a:ext>
             </a:extLst>
           </p:cNvPr>
@@ -1185,7 +1185,7 @@
           <a:bodyPr/>
           <a:lstStyle/>
           <a:p>
-            <a:fld id="{76F4A092-A9B5-46B1-81A5-AC47FFC074F7}" type="slidenum">
+            <a:fld id="{1A643E10-219D-4A7E-9A32-5E7FFE880E98}" type="slidenum">
               <a:rPr lang="zh-CN" altLang="en-US" smtClean="0"/>
               <a:t>‹#›</a:t>
             </a:fld>
@@ -1196,7 +1196,7 @@
     </p:spTree>
     <p:extLst>
       <p:ext uri="{BB962C8B-B14F-4D97-AF65-F5344CB8AC3E}">
-        <p14:creationId xmlns:p14="http://schemas.microsoft.com/office/powerpoint/2010/main" val="2625548097"/>
+        <p14:creationId xmlns:p14="http://schemas.microsoft.com/office/powerpoint/2010/main" val="3921680073"/>
       </p:ext>
     </p:extLst>
   </p:cSld>
@@ -1228,7 +1228,7 @@
           <p:cNvPr id="2" name="标题 1">
             <a:extLst>
               <a:ext uri="{FF2B5EF4-FFF2-40B4-BE49-F238E27FC236}">
-                <a16:creationId xmlns:a16="http://schemas.microsoft.com/office/drawing/2014/main" id="{AE07369D-4C82-E6DF-632C-E4B264436A92}"/>
+                <a16:creationId xmlns:a16="http://schemas.microsoft.com/office/drawing/2014/main" id="{DFDFB8A6-F1A1-0E1E-D56A-5146B1F32163}"/>
               </a:ext>
             </a:extLst>
           </p:cNvPr>
@@ -1256,7 +1256,7 @@
           <p:cNvPr id="3" name="内容占位符 2">
             <a:extLst>
               <a:ext uri="{FF2B5EF4-FFF2-40B4-BE49-F238E27FC236}">
-                <a16:creationId xmlns:a16="http://schemas.microsoft.com/office/drawing/2014/main" id="{18F9E531-613C-20F6-8F6B-7C966DAA4957}"/>
+                <a16:creationId xmlns:a16="http://schemas.microsoft.com/office/drawing/2014/main" id="{4E75C093-C8FD-F6E3-C7EF-AB0BD3D124E8}"/>
               </a:ext>
             </a:extLst>
           </p:cNvPr>
@@ -1318,7 +1318,7 @@
           <p:cNvPr id="4" name="内容占位符 3">
             <a:extLst>
               <a:ext uri="{FF2B5EF4-FFF2-40B4-BE49-F238E27FC236}">
-                <a16:creationId xmlns:a16="http://schemas.microsoft.com/office/drawing/2014/main" id="{7AB373E3-5DC7-5460-462A-2D72915D630D}"/>
+                <a16:creationId xmlns:a16="http://schemas.microsoft.com/office/drawing/2014/main" id="{CD0AA9DC-CF9D-2A70-2493-9FC6F49ED22F}"/>
               </a:ext>
             </a:extLst>
           </p:cNvPr>
@@ -1380,7 +1380,7 @@
           <p:cNvPr id="5" name="日期占位符 4">
             <a:extLst>
               <a:ext uri="{FF2B5EF4-FFF2-40B4-BE49-F238E27FC236}">
-                <a16:creationId xmlns:a16="http://schemas.microsoft.com/office/drawing/2014/main" id="{77099831-B5FB-C373-04E2-A565A21C6639}"/>
+                <a16:creationId xmlns:a16="http://schemas.microsoft.com/office/drawing/2014/main" id="{A8F45883-4D2C-A80B-43C4-39B941CBAFE6}"/>
               </a:ext>
             </a:extLst>
           </p:cNvPr>
@@ -1396,7 +1396,7 @@
           <a:bodyPr/>
           <a:lstStyle/>
           <a:p>
-            <a:fld id="{16B57F22-515B-4C3C-92EC-C5F8EDCB17C1}" type="datetimeFigureOut">
+            <a:fld id="{E3C749BC-6742-4803-8651-C182B202970D}" type="datetimeFigureOut">
               <a:rPr lang="zh-CN" altLang="en-US" smtClean="0"/>
               <a:t>2024/3/10</a:t>
             </a:fld>
@@ -1409,7 +1409,7 @@
           <p:cNvPr id="6" name="页脚占位符 5">
             <a:extLst>
               <a:ext uri="{FF2B5EF4-FFF2-40B4-BE49-F238E27FC236}">
-                <a16:creationId xmlns:a16="http://schemas.microsoft.com/office/drawing/2014/main" id="{0CECC4F5-C6AF-7DC2-7F2B-6B7DE26D0B6D}"/>
+                <a16:creationId xmlns:a16="http://schemas.microsoft.com/office/drawing/2014/main" id="{0971ECBC-89CA-1F87-77C0-4D5EDA8C9040}"/>
               </a:ext>
             </a:extLst>
           </p:cNvPr>
@@ -1434,7 +1434,7 @@
           <p:cNvPr id="7" name="灯片编号占位符 6">
             <a:extLst>
               <a:ext uri="{FF2B5EF4-FFF2-40B4-BE49-F238E27FC236}">
-                <a16:creationId xmlns:a16="http://schemas.microsoft.com/office/drawing/2014/main" id="{2D9F142E-7E8E-4154-E65A-02334F3BC135}"/>
+                <a16:creationId xmlns:a16="http://schemas.microsoft.com/office/drawing/2014/main" id="{18A9A06A-7EAC-2E40-45E2-B3FC1E05DE09}"/>
               </a:ext>
             </a:extLst>
           </p:cNvPr>
@@ -1450,7 +1450,7 @@
           <a:bodyPr/>
           <a:lstStyle/>
           <a:p>
-            <a:fld id="{76F4A092-A9B5-46B1-81A5-AC47FFC074F7}" type="slidenum">
+            <a:fld id="{1A643E10-219D-4A7E-9A32-5E7FFE880E98}" type="slidenum">
               <a:rPr lang="zh-CN" altLang="en-US" smtClean="0"/>
               <a:t>‹#›</a:t>
             </a:fld>
@@ -1461,7 +1461,7 @@
     </p:spTree>
     <p:extLst>
       <p:ext uri="{BB962C8B-B14F-4D97-AF65-F5344CB8AC3E}">
-        <p14:creationId xmlns:p14="http://schemas.microsoft.com/office/powerpoint/2010/main" val="2539338560"/>
+        <p14:creationId xmlns:p14="http://schemas.microsoft.com/office/powerpoint/2010/main" val="2915127642"/>
       </p:ext>
     </p:extLst>
   </p:cSld>
@@ -1493,7 +1493,7 @@
           <p:cNvPr id="2" name="标题 1">
             <a:extLst>
               <a:ext uri="{FF2B5EF4-FFF2-40B4-BE49-F238E27FC236}">
-                <a16:creationId xmlns:a16="http://schemas.microsoft.com/office/drawing/2014/main" id="{6C49C665-110E-B0D0-0686-240E1ACEE874}"/>
+                <a16:creationId xmlns:a16="http://schemas.microsoft.com/office/drawing/2014/main" id="{7CECF4FE-1E1B-E729-EA40-31A3E2EF6852}"/>
               </a:ext>
             </a:extLst>
           </p:cNvPr>
@@ -1526,7 +1526,7 @@
           <p:cNvPr id="3" name="文本占位符 2">
             <a:extLst>
               <a:ext uri="{FF2B5EF4-FFF2-40B4-BE49-F238E27FC236}">
-                <a16:creationId xmlns:a16="http://schemas.microsoft.com/office/drawing/2014/main" id="{9E4D044E-1B4C-1D40-0376-1F20E608A441}"/>
+                <a16:creationId xmlns:a16="http://schemas.microsoft.com/office/drawing/2014/main" id="{AD06A6BC-16AF-660B-7705-3BAFAC208DDB}"/>
               </a:ext>
             </a:extLst>
           </p:cNvPr>
@@ -1597,7 +1597,7 @@
           <p:cNvPr id="4" name="内容占位符 3">
             <a:extLst>
               <a:ext uri="{FF2B5EF4-FFF2-40B4-BE49-F238E27FC236}">
-                <a16:creationId xmlns:a16="http://schemas.microsoft.com/office/drawing/2014/main" id="{B9E830C9-AD5E-B984-C5E3-D453AE3611AD}"/>
+                <a16:creationId xmlns:a16="http://schemas.microsoft.com/office/drawing/2014/main" id="{FDF6D779-7E26-109B-AD2E-0E9CF34C3423}"/>
               </a:ext>
             </a:extLst>
           </p:cNvPr>
@@ -1659,7 +1659,7 @@
           <p:cNvPr id="5" name="文本占位符 4">
             <a:extLst>
               <a:ext uri="{FF2B5EF4-FFF2-40B4-BE49-F238E27FC236}">
-                <a16:creationId xmlns:a16="http://schemas.microsoft.com/office/drawing/2014/main" id="{3BDE7F8A-7058-A193-F664-023E7463B284}"/>
+                <a16:creationId xmlns:a16="http://schemas.microsoft.com/office/drawing/2014/main" id="{39F03AA6-B9C7-24AC-B268-FC03EAD8688A}"/>
               </a:ext>
             </a:extLst>
           </p:cNvPr>
@@ -1730,7 +1730,7 @@
           <p:cNvPr id="6" name="内容占位符 5">
             <a:extLst>
               <a:ext uri="{FF2B5EF4-FFF2-40B4-BE49-F238E27FC236}">
-                <a16:creationId xmlns:a16="http://schemas.microsoft.com/office/drawing/2014/main" id="{F4F9AB7F-18E3-1C4D-7CE3-36D37860635C}"/>
+                <a16:creationId xmlns:a16="http://schemas.microsoft.com/office/drawing/2014/main" id="{7BF1167E-AD45-275C-F8C1-6956DFE390DF}"/>
               </a:ext>
             </a:extLst>
           </p:cNvPr>
@@ -1792,7 +1792,7 @@
           <p:cNvPr id="7" name="日期占位符 6">
             <a:extLst>
               <a:ext uri="{FF2B5EF4-FFF2-40B4-BE49-F238E27FC236}">
-                <a16:creationId xmlns:a16="http://schemas.microsoft.com/office/drawing/2014/main" id="{2098736F-7811-AC7E-F462-97B700C5E5FE}"/>
+                <a16:creationId xmlns:a16="http://schemas.microsoft.com/office/drawing/2014/main" id="{1E98944C-6F4E-4613-27E8-17E62C035F86}"/>
               </a:ext>
             </a:extLst>
           </p:cNvPr>
@@ -1808,7 +1808,7 @@
           <a:bodyPr/>
           <a:lstStyle/>
           <a:p>
-            <a:fld id="{16B57F22-515B-4C3C-92EC-C5F8EDCB17C1}" type="datetimeFigureOut">
+            <a:fld id="{E3C749BC-6742-4803-8651-C182B202970D}" type="datetimeFigureOut">
               <a:rPr lang="zh-CN" altLang="en-US" smtClean="0"/>
               <a:t>2024/3/10</a:t>
             </a:fld>
@@ -1821,7 +1821,7 @@
           <p:cNvPr id="8" name="页脚占位符 7">
             <a:extLst>
               <a:ext uri="{FF2B5EF4-FFF2-40B4-BE49-F238E27FC236}">
-                <a16:creationId xmlns:a16="http://schemas.microsoft.com/office/drawing/2014/main" id="{09A3D2F0-C3CE-F3F7-758F-D3E61E6B763D}"/>
+                <a16:creationId xmlns:a16="http://schemas.microsoft.com/office/drawing/2014/main" id="{79BBCE7E-6BA3-459B-1A57-6E9680361422}"/>
               </a:ext>
             </a:extLst>
           </p:cNvPr>
@@ -1846,7 +1846,7 @@
           <p:cNvPr id="9" name="灯片编号占位符 8">
             <a:extLst>
               <a:ext uri="{FF2B5EF4-FFF2-40B4-BE49-F238E27FC236}">
-                <a16:creationId xmlns:a16="http://schemas.microsoft.com/office/drawing/2014/main" id="{5BFD4BC8-110E-0647-7781-9FFEF82F018A}"/>
+                <a16:creationId xmlns:a16="http://schemas.microsoft.com/office/drawing/2014/main" id="{FFC60A7F-3B3C-AE5F-B3A5-2B68637B03E6}"/>
               </a:ext>
             </a:extLst>
           </p:cNvPr>
@@ -1862,7 +1862,7 @@
           <a:bodyPr/>
           <a:lstStyle/>
           <a:p>
-            <a:fld id="{76F4A092-A9B5-46B1-81A5-AC47FFC074F7}" type="slidenum">
+            <a:fld id="{1A643E10-219D-4A7E-9A32-5E7FFE880E98}" type="slidenum">
               <a:rPr lang="zh-CN" altLang="en-US" smtClean="0"/>
               <a:t>‹#›</a:t>
             </a:fld>
@@ -1873,7 +1873,7 @@
     </p:spTree>
     <p:extLst>
       <p:ext uri="{BB962C8B-B14F-4D97-AF65-F5344CB8AC3E}">
-        <p14:creationId xmlns:p14="http://schemas.microsoft.com/office/powerpoint/2010/main" val="23625097"/>
+        <p14:creationId xmlns:p14="http://schemas.microsoft.com/office/powerpoint/2010/main" val="2529739596"/>
       </p:ext>
     </p:extLst>
   </p:cSld>
@@ -1905,7 +1905,7 @@
           <p:cNvPr id="2" name="标题 1">
             <a:extLst>
               <a:ext uri="{FF2B5EF4-FFF2-40B4-BE49-F238E27FC236}">
-                <a16:creationId xmlns:a16="http://schemas.microsoft.com/office/drawing/2014/main" id="{897B08DE-04AF-A66E-7F4B-85424E68A3E2}"/>
+                <a16:creationId xmlns:a16="http://schemas.microsoft.com/office/drawing/2014/main" id="{0F0E32A3-6962-533F-5B55-94D85233056F}"/>
               </a:ext>
             </a:extLst>
           </p:cNvPr>
@@ -1933,7 +1933,7 @@
           <p:cNvPr id="3" name="日期占位符 2">
             <a:extLst>
               <a:ext uri="{FF2B5EF4-FFF2-40B4-BE49-F238E27FC236}">
-                <a16:creationId xmlns:a16="http://schemas.microsoft.com/office/drawing/2014/main" id="{37F1AE5F-0613-AFBD-ACEC-39F11C276CFB}"/>
+                <a16:creationId xmlns:a16="http://schemas.microsoft.com/office/drawing/2014/main" id="{CC8D24E6-241C-CD23-A99D-13905B8D4520}"/>
               </a:ext>
             </a:extLst>
           </p:cNvPr>
@@ -1949,7 +1949,7 @@
           <a:bodyPr/>
           <a:lstStyle/>
           <a:p>
-            <a:fld id="{16B57F22-515B-4C3C-92EC-C5F8EDCB17C1}" type="datetimeFigureOut">
+            <a:fld id="{E3C749BC-6742-4803-8651-C182B202970D}" type="datetimeFigureOut">
               <a:rPr lang="zh-CN" altLang="en-US" smtClean="0"/>
               <a:t>2024/3/10</a:t>
             </a:fld>
@@ -1962,7 +1962,7 @@
           <p:cNvPr id="4" name="页脚占位符 3">
             <a:extLst>
               <a:ext uri="{FF2B5EF4-FFF2-40B4-BE49-F238E27FC236}">
-                <a16:creationId xmlns:a16="http://schemas.microsoft.com/office/drawing/2014/main" id="{45F6BD9F-48E8-9966-E28F-B3CA3B81CA77}"/>
+                <a16:creationId xmlns:a16="http://schemas.microsoft.com/office/drawing/2014/main" id="{19817FB9-938D-4402-E0C9-47D404566DEC}"/>
               </a:ext>
             </a:extLst>
           </p:cNvPr>
@@ -1987,7 +1987,7 @@
           <p:cNvPr id="5" name="灯片编号占位符 4">
             <a:extLst>
               <a:ext uri="{FF2B5EF4-FFF2-40B4-BE49-F238E27FC236}">
-                <a16:creationId xmlns:a16="http://schemas.microsoft.com/office/drawing/2014/main" id="{2B04EECC-41A3-76AF-C88F-AE5AFCBA992C}"/>
+                <a16:creationId xmlns:a16="http://schemas.microsoft.com/office/drawing/2014/main" id="{9FD8D681-235C-7BB3-0421-8DF6D4D00054}"/>
               </a:ext>
             </a:extLst>
           </p:cNvPr>
@@ -2003,7 +2003,7 @@
           <a:bodyPr/>
           <a:lstStyle/>
           <a:p>
-            <a:fld id="{76F4A092-A9B5-46B1-81A5-AC47FFC074F7}" type="slidenum">
+            <a:fld id="{1A643E10-219D-4A7E-9A32-5E7FFE880E98}" type="slidenum">
               <a:rPr lang="zh-CN" altLang="en-US" smtClean="0"/>
               <a:t>‹#›</a:t>
             </a:fld>
@@ -2014,7 +2014,7 @@
     </p:spTree>
     <p:extLst>
       <p:ext uri="{BB962C8B-B14F-4D97-AF65-F5344CB8AC3E}">
-        <p14:creationId xmlns:p14="http://schemas.microsoft.com/office/powerpoint/2010/main" val="369419407"/>
+        <p14:creationId xmlns:p14="http://schemas.microsoft.com/office/powerpoint/2010/main" val="1571389758"/>
       </p:ext>
     </p:extLst>
   </p:cSld>
@@ -2046,7 +2046,7 @@
           <p:cNvPr id="2" name="日期占位符 1">
             <a:extLst>
               <a:ext uri="{FF2B5EF4-FFF2-40B4-BE49-F238E27FC236}">
-                <a16:creationId xmlns:a16="http://schemas.microsoft.com/office/drawing/2014/main" id="{DB20D246-2D51-2895-045A-12564E7E89F1}"/>
+                <a16:creationId xmlns:a16="http://schemas.microsoft.com/office/drawing/2014/main" id="{A46A9CA9-E995-27AC-274A-959ED403770E}"/>
               </a:ext>
             </a:extLst>
           </p:cNvPr>
@@ -2062,7 +2062,7 @@
           <a:bodyPr/>
           <a:lstStyle/>
           <a:p>
-            <a:fld id="{16B57F22-515B-4C3C-92EC-C5F8EDCB17C1}" type="datetimeFigureOut">
+            <a:fld id="{E3C749BC-6742-4803-8651-C182B202970D}" type="datetimeFigureOut">
               <a:rPr lang="zh-CN" altLang="en-US" smtClean="0"/>
               <a:t>2024/3/10</a:t>
             </a:fld>
@@ -2075,7 +2075,7 @@
           <p:cNvPr id="3" name="页脚占位符 2">
             <a:extLst>
               <a:ext uri="{FF2B5EF4-FFF2-40B4-BE49-F238E27FC236}">
-                <a16:creationId xmlns:a16="http://schemas.microsoft.com/office/drawing/2014/main" id="{2F2F5091-F9D0-E09C-4557-CFB963BD219F}"/>
+                <a16:creationId xmlns:a16="http://schemas.microsoft.com/office/drawing/2014/main" id="{01DB5700-7315-8E2C-3E80-D9C59FAD8396}"/>
               </a:ext>
             </a:extLst>
           </p:cNvPr>
@@ -2100,7 +2100,7 @@
           <p:cNvPr id="4" name="灯片编号占位符 3">
             <a:extLst>
               <a:ext uri="{FF2B5EF4-FFF2-40B4-BE49-F238E27FC236}">
-                <a16:creationId xmlns:a16="http://schemas.microsoft.com/office/drawing/2014/main" id="{5DD15A6E-2AD8-DB00-A296-BE82B167615E}"/>
+                <a16:creationId xmlns:a16="http://schemas.microsoft.com/office/drawing/2014/main" id="{3300F3FE-0C84-751B-34C4-D61C54D57CF6}"/>
               </a:ext>
             </a:extLst>
           </p:cNvPr>
@@ -2116,7 +2116,7 @@
           <a:bodyPr/>
           <a:lstStyle/>
           <a:p>
-            <a:fld id="{76F4A092-A9B5-46B1-81A5-AC47FFC074F7}" type="slidenum">
+            <a:fld id="{1A643E10-219D-4A7E-9A32-5E7FFE880E98}" type="slidenum">
               <a:rPr lang="zh-CN" altLang="en-US" smtClean="0"/>
               <a:t>‹#›</a:t>
             </a:fld>
@@ -2127,7 +2127,7 @@
     </p:spTree>
     <p:extLst>
       <p:ext uri="{BB962C8B-B14F-4D97-AF65-F5344CB8AC3E}">
-        <p14:creationId xmlns:p14="http://schemas.microsoft.com/office/powerpoint/2010/main" val="3070484439"/>
+        <p14:creationId xmlns:p14="http://schemas.microsoft.com/office/powerpoint/2010/main" val="4252007540"/>
       </p:ext>
     </p:extLst>
   </p:cSld>
@@ -2159,7 +2159,7 @@
           <p:cNvPr id="2" name="标题 1">
             <a:extLst>
               <a:ext uri="{FF2B5EF4-FFF2-40B4-BE49-F238E27FC236}">
-                <a16:creationId xmlns:a16="http://schemas.microsoft.com/office/drawing/2014/main" id="{5004F3CB-087F-D3CF-C168-CCB5A2EE0E71}"/>
+                <a16:creationId xmlns:a16="http://schemas.microsoft.com/office/drawing/2014/main" id="{DEB5B4FC-C29D-8F53-F717-F8541EAB3BB2}"/>
               </a:ext>
             </a:extLst>
           </p:cNvPr>
@@ -2196,7 +2196,7 @@
           <p:cNvPr id="3" name="内容占位符 2">
             <a:extLst>
               <a:ext uri="{FF2B5EF4-FFF2-40B4-BE49-F238E27FC236}">
-                <a16:creationId xmlns:a16="http://schemas.microsoft.com/office/drawing/2014/main" id="{3542D8A0-D007-F810-741C-FF6B495160A0}"/>
+                <a16:creationId xmlns:a16="http://schemas.microsoft.com/office/drawing/2014/main" id="{353FE6CD-DC88-34A9-2E86-C6CDD4936518}"/>
               </a:ext>
             </a:extLst>
           </p:cNvPr>
@@ -2286,7 +2286,7 @@
           <p:cNvPr id="4" name="文本占位符 3">
             <a:extLst>
               <a:ext uri="{FF2B5EF4-FFF2-40B4-BE49-F238E27FC236}">
-                <a16:creationId xmlns:a16="http://schemas.microsoft.com/office/drawing/2014/main" id="{BDBC8562-CD56-C1C6-4976-EFC8CC26B432}"/>
+                <a16:creationId xmlns:a16="http://schemas.microsoft.com/office/drawing/2014/main" id="{513E1141-BDE0-0D50-3EA4-9C637D3AF7E8}"/>
               </a:ext>
             </a:extLst>
           </p:cNvPr>
@@ -2357,7 +2357,7 @@
           <p:cNvPr id="5" name="日期占位符 4">
             <a:extLst>
               <a:ext uri="{FF2B5EF4-FFF2-40B4-BE49-F238E27FC236}">
-                <a16:creationId xmlns:a16="http://schemas.microsoft.com/office/drawing/2014/main" id="{938CBBD0-7DA7-D71B-A17F-67BE0F61F15E}"/>
+                <a16:creationId xmlns:a16="http://schemas.microsoft.com/office/drawing/2014/main" id="{EAD72658-A346-6558-C9F0-438EA95643F7}"/>
               </a:ext>
             </a:extLst>
           </p:cNvPr>
@@ -2373,7 +2373,7 @@
           <a:bodyPr/>
           <a:lstStyle/>
           <a:p>
-            <a:fld id="{16B57F22-515B-4C3C-92EC-C5F8EDCB17C1}" type="datetimeFigureOut">
+            <a:fld id="{E3C749BC-6742-4803-8651-C182B202970D}" type="datetimeFigureOut">
               <a:rPr lang="zh-CN" altLang="en-US" smtClean="0"/>
               <a:t>2024/3/10</a:t>
             </a:fld>
@@ -2386,7 +2386,7 @@
           <p:cNvPr id="6" name="页脚占位符 5">
             <a:extLst>
               <a:ext uri="{FF2B5EF4-FFF2-40B4-BE49-F238E27FC236}">
-                <a16:creationId xmlns:a16="http://schemas.microsoft.com/office/drawing/2014/main" id="{FC840C9D-4DEE-2743-4332-758163234450}"/>
+                <a16:creationId xmlns:a16="http://schemas.microsoft.com/office/drawing/2014/main" id="{E4595AAF-9A09-E83D-A9EB-9C5DEFAD07F7}"/>
               </a:ext>
             </a:extLst>
           </p:cNvPr>
@@ -2411,7 +2411,7 @@
           <p:cNvPr id="7" name="灯片编号占位符 6">
             <a:extLst>
               <a:ext uri="{FF2B5EF4-FFF2-40B4-BE49-F238E27FC236}">
-                <a16:creationId xmlns:a16="http://schemas.microsoft.com/office/drawing/2014/main" id="{8F58AA59-512C-131B-FC67-13B6D1292B9A}"/>
+                <a16:creationId xmlns:a16="http://schemas.microsoft.com/office/drawing/2014/main" id="{03ABFE14-4860-B145-406B-046891504FBF}"/>
               </a:ext>
             </a:extLst>
           </p:cNvPr>
@@ -2427,7 +2427,7 @@
           <a:bodyPr/>
           <a:lstStyle/>
           <a:p>
-            <a:fld id="{76F4A092-A9B5-46B1-81A5-AC47FFC074F7}" type="slidenum">
+            <a:fld id="{1A643E10-219D-4A7E-9A32-5E7FFE880E98}" type="slidenum">
               <a:rPr lang="zh-CN" altLang="en-US" smtClean="0"/>
               <a:t>‹#›</a:t>
             </a:fld>
@@ -2438,7 +2438,7 @@
     </p:spTree>
     <p:extLst>
       <p:ext uri="{BB962C8B-B14F-4D97-AF65-F5344CB8AC3E}">
-        <p14:creationId xmlns:p14="http://schemas.microsoft.com/office/powerpoint/2010/main" val="2517586234"/>
+        <p14:creationId xmlns:p14="http://schemas.microsoft.com/office/powerpoint/2010/main" val="2083114675"/>
       </p:ext>
     </p:extLst>
   </p:cSld>
@@ -2470,7 +2470,7 @@
           <p:cNvPr id="2" name="标题 1">
             <a:extLst>
               <a:ext uri="{FF2B5EF4-FFF2-40B4-BE49-F238E27FC236}">
-                <a16:creationId xmlns:a16="http://schemas.microsoft.com/office/drawing/2014/main" id="{96FAA698-BB3B-7854-1436-7E4E0A31C6A9}"/>
+                <a16:creationId xmlns:a16="http://schemas.microsoft.com/office/drawing/2014/main" id="{74F2F8AD-2CFA-5D7B-E848-97FA47991F2E}"/>
               </a:ext>
             </a:extLst>
           </p:cNvPr>
@@ -2507,7 +2507,7 @@
           <p:cNvPr id="3" name="图片占位符 2">
             <a:extLst>
               <a:ext uri="{FF2B5EF4-FFF2-40B4-BE49-F238E27FC236}">
-                <a16:creationId xmlns:a16="http://schemas.microsoft.com/office/drawing/2014/main" id="{4DC30003-B772-BB2A-F7E6-6153A594E6A8}"/>
+                <a16:creationId xmlns:a16="http://schemas.microsoft.com/office/drawing/2014/main" id="{D9ADC35C-CB30-E81A-F192-81FEF68E60B7}"/>
               </a:ext>
             </a:extLst>
           </p:cNvPr>
@@ -2574,7 +2574,7 @@
           <p:cNvPr id="4" name="文本占位符 3">
             <a:extLst>
               <a:ext uri="{FF2B5EF4-FFF2-40B4-BE49-F238E27FC236}">
-                <a16:creationId xmlns:a16="http://schemas.microsoft.com/office/drawing/2014/main" id="{F870073E-CE93-EAA8-A192-FB00BE71E759}"/>
+                <a16:creationId xmlns:a16="http://schemas.microsoft.com/office/drawing/2014/main" id="{52FA538F-F2EF-3856-56F1-518D1DE48DD4}"/>
               </a:ext>
             </a:extLst>
           </p:cNvPr>
@@ -2645,7 +2645,7 @@
           <p:cNvPr id="5" name="日期占位符 4">
             <a:extLst>
               <a:ext uri="{FF2B5EF4-FFF2-40B4-BE49-F238E27FC236}">
-                <a16:creationId xmlns:a16="http://schemas.microsoft.com/office/drawing/2014/main" id="{2B81D060-FB49-DEE7-5AB5-6986AAEE3107}"/>
+                <a16:creationId xmlns:a16="http://schemas.microsoft.com/office/drawing/2014/main" id="{B289A5F5-B5C6-524A-333F-728A8E20AD29}"/>
               </a:ext>
             </a:extLst>
           </p:cNvPr>
@@ -2661,7 +2661,7 @@
           <a:bodyPr/>
           <a:lstStyle/>
           <a:p>
-            <a:fld id="{16B57F22-515B-4C3C-92EC-C5F8EDCB17C1}" type="datetimeFigureOut">
+            <a:fld id="{E3C749BC-6742-4803-8651-C182B202970D}" type="datetimeFigureOut">
               <a:rPr lang="zh-CN" altLang="en-US" smtClean="0"/>
               <a:t>2024/3/10</a:t>
             </a:fld>
@@ -2674,7 +2674,7 @@
           <p:cNvPr id="6" name="页脚占位符 5">
             <a:extLst>
               <a:ext uri="{FF2B5EF4-FFF2-40B4-BE49-F238E27FC236}">
-                <a16:creationId xmlns:a16="http://schemas.microsoft.com/office/drawing/2014/main" id="{5B3E06B6-127D-B6E2-433F-12817F428C05}"/>
+                <a16:creationId xmlns:a16="http://schemas.microsoft.com/office/drawing/2014/main" id="{31810D13-310F-BDC7-C725-799BB8CFADF4}"/>
               </a:ext>
             </a:extLst>
           </p:cNvPr>
@@ -2699,7 +2699,7 @@
           <p:cNvPr id="7" name="灯片编号占位符 6">
             <a:extLst>
               <a:ext uri="{FF2B5EF4-FFF2-40B4-BE49-F238E27FC236}">
-                <a16:creationId xmlns:a16="http://schemas.microsoft.com/office/drawing/2014/main" id="{C18CC608-A235-4C3B-4A27-965A016F390C}"/>
+                <a16:creationId xmlns:a16="http://schemas.microsoft.com/office/drawing/2014/main" id="{B74AD743-6035-EEC8-1660-7FAE5B97EF76}"/>
               </a:ext>
             </a:extLst>
           </p:cNvPr>
@@ -2715,7 +2715,7 @@
           <a:bodyPr/>
           <a:lstStyle/>
           <a:p>
-            <a:fld id="{76F4A092-A9B5-46B1-81A5-AC47FFC074F7}" type="slidenum">
+            <a:fld id="{1A643E10-219D-4A7E-9A32-5E7FFE880E98}" type="slidenum">
               <a:rPr lang="zh-CN" altLang="en-US" smtClean="0"/>
               <a:t>‹#›</a:t>
             </a:fld>
@@ -2726,7 +2726,7 @@
     </p:spTree>
     <p:extLst>
       <p:ext uri="{BB962C8B-B14F-4D97-AF65-F5344CB8AC3E}">
-        <p14:creationId xmlns:p14="http://schemas.microsoft.com/office/powerpoint/2010/main" val="1880913804"/>
+        <p14:creationId xmlns:p14="http://schemas.microsoft.com/office/powerpoint/2010/main" val="866774455"/>
       </p:ext>
     </p:extLst>
   </p:cSld>
@@ -2763,7 +2763,7 @@
           <p:cNvPr id="2" name="标题占位符 1">
             <a:extLst>
               <a:ext uri="{FF2B5EF4-FFF2-40B4-BE49-F238E27FC236}">
-                <a16:creationId xmlns:a16="http://schemas.microsoft.com/office/drawing/2014/main" id="{E2136D1A-B243-3F2B-58A2-51C833E975DA}"/>
+                <a16:creationId xmlns:a16="http://schemas.microsoft.com/office/drawing/2014/main" id="{7E0BCD56-25CC-0112-8807-CAF963B597EB}"/>
               </a:ext>
             </a:extLst>
           </p:cNvPr>
@@ -2801,7 +2801,7 @@
           <p:cNvPr id="3" name="文本占位符 2">
             <a:extLst>
               <a:ext uri="{FF2B5EF4-FFF2-40B4-BE49-F238E27FC236}">
-                <a16:creationId xmlns:a16="http://schemas.microsoft.com/office/drawing/2014/main" id="{31C1331E-8186-7514-5AFB-94BBEEEFE439}"/>
+                <a16:creationId xmlns:a16="http://schemas.microsoft.com/office/drawing/2014/main" id="{876DC98B-3C23-4136-50A0-58B0040D46F0}"/>
               </a:ext>
             </a:extLst>
           </p:cNvPr>
@@ -2868,7 +2868,7 @@
           <p:cNvPr id="4" name="日期占位符 3">
             <a:extLst>
               <a:ext uri="{FF2B5EF4-FFF2-40B4-BE49-F238E27FC236}">
-                <a16:creationId xmlns:a16="http://schemas.microsoft.com/office/drawing/2014/main" id="{EDA48A6C-0E8F-2A27-D069-0BAFD85A259D}"/>
+                <a16:creationId xmlns:a16="http://schemas.microsoft.com/office/drawing/2014/main" id="{6D1D94D4-6F98-D2B7-33B8-B5D66930FC3E}"/>
               </a:ext>
             </a:extLst>
           </p:cNvPr>
@@ -2902,7 +2902,7 @@
             </a:lvl1pPr>
           </a:lstStyle>
           <a:p>
-            <a:fld id="{16B57F22-515B-4C3C-92EC-C5F8EDCB17C1}" type="datetimeFigureOut">
+            <a:fld id="{E3C749BC-6742-4803-8651-C182B202970D}" type="datetimeFigureOut">
               <a:rPr lang="zh-CN" altLang="en-US" smtClean="0"/>
               <a:t>2024/3/10</a:t>
             </a:fld>
@@ -2915,7 +2915,7 @@
           <p:cNvPr id="5" name="页脚占位符 4">
             <a:extLst>
               <a:ext uri="{FF2B5EF4-FFF2-40B4-BE49-F238E27FC236}">
-                <a16:creationId xmlns:a16="http://schemas.microsoft.com/office/drawing/2014/main" id="{CF7C696C-2BE9-0B0C-C93F-B7FD7275C500}"/>
+                <a16:creationId xmlns:a16="http://schemas.microsoft.com/office/drawing/2014/main" id="{D6AE1CFE-771F-5255-554E-B7E0FDDE4F6F}"/>
               </a:ext>
             </a:extLst>
           </p:cNvPr>
@@ -2958,7 +2958,7 @@
           <p:cNvPr id="6" name="灯片编号占位符 5">
             <a:extLst>
               <a:ext uri="{FF2B5EF4-FFF2-40B4-BE49-F238E27FC236}">
-                <a16:creationId xmlns:a16="http://schemas.microsoft.com/office/drawing/2014/main" id="{93239968-9BCD-64C6-CB72-FE57C89C3559}"/>
+                <a16:creationId xmlns:a16="http://schemas.microsoft.com/office/drawing/2014/main" id="{2B340260-1F3E-FCBB-D5AC-642F333A9E7E}"/>
               </a:ext>
             </a:extLst>
           </p:cNvPr>
@@ -2992,7 +2992,7 @@
             </a:lvl1pPr>
           </a:lstStyle>
           <a:p>
-            <a:fld id="{76F4A092-A9B5-46B1-81A5-AC47FFC074F7}" type="slidenum">
+            <a:fld id="{1A643E10-219D-4A7E-9A32-5E7FFE880E98}" type="slidenum">
               <a:rPr lang="zh-CN" altLang="en-US" smtClean="0"/>
               <a:t>‹#›</a:t>
             </a:fld>
@@ -3003,7 +3003,7 @@
     </p:spTree>
     <p:extLst>
       <p:ext uri="{BB962C8B-B14F-4D97-AF65-F5344CB8AC3E}">
-        <p14:creationId xmlns:p14="http://schemas.microsoft.com/office/powerpoint/2010/main" val="3680014553"/>
+        <p14:creationId xmlns:p14="http://schemas.microsoft.com/office/powerpoint/2010/main" val="1346789869"/>
       </p:ext>
     </p:extLst>
   </p:cSld>
@@ -3323,7 +3323,7 @@
       </p:grpSpPr>
       <p:pic>
         <p:nvPicPr>
-          <p:cNvPr id="1436674" name="Picture 2" descr="1402"/>
+          <p:cNvPr id="1437698" name="Picture 2" descr="1403"/>
           <p:cNvPicPr>
             <a:picLocks noChangeAspect="1" noChangeArrowheads="1"/>
           </p:cNvPicPr>
@@ -3344,8 +3344,8 @@
         </p:blipFill>
         <p:spPr bwMode="auto">
           <a:xfrm>
-            <a:off x="1524000" y="1"/>
-            <a:ext cx="9144000" cy="6308725"/>
+            <a:off x="1558925" y="0"/>
+            <a:ext cx="9144000" cy="6858000"/>
           </a:xfrm>
           <a:prstGeom prst="rect">
             <a:avLst/>
